--- a/translations/he/beginner/BasicSequencer.pptx
+++ b/translations/he/beginner/BasicSequencer.pptx
@@ -220,7 +220,7 @@
           <a:p>
             <a:fld id="{F8D9B3D7-15CB-9343-AA49-EFB5A8F33F18}" type="datetimeFigureOut">
               <a:rPr lang="en-US" smtClean="0"/>
-              <a:t>7/14/2015</a:t>
+              <a:t>11/4/2015</a:t>
             </a:fld>
             <a:endParaRPr lang="en-US"/>
           </a:p>
@@ -386,7 +386,7 @@
           <a:p>
             <a:fld id="{FD3EFF1E-85A1-6640-AFB9-C38833E80A84}" type="datetimeFigureOut">
               <a:rPr lang="en-US" smtClean="0"/>
-              <a:t>7/14/2015</a:t>
+              <a:t>11/4/2015</a:t>
             </a:fld>
             <a:endParaRPr lang="en-US"/>
           </a:p>
@@ -1100,7 +1100,7 @@
           <a:p>
             <a:fld id="{CCB6A1FB-1959-6841-BEB9-2BF1AF2126EF}" type="datetime1">
               <a:rPr lang="en-US" smtClean="0"/>
-              <a:t>7/14/2015</a:t>
+              <a:t>11/4/2015</a:t>
             </a:fld>
             <a:endParaRPr lang="en-US"/>
           </a:p>
@@ -1406,7 +1406,7 @@
           <a:p>
             <a:fld id="{04FD9ADB-019E-3244-BE8C-1BCBD4ECA0AE}" type="datetime1">
               <a:rPr lang="en-US" smtClean="0"/>
-              <a:t>7/14/2015</a:t>
+              <a:t>11/4/2015</a:t>
             </a:fld>
             <a:endParaRPr lang="en-US"/>
           </a:p>
@@ -1593,7 +1593,7 @@
           <a:p>
             <a:fld id="{E0CDA309-A84D-D543-AE41-B6D62507CC63}" type="datetime1">
               <a:rPr lang="en-US" smtClean="0"/>
-              <a:t>7/14/2015</a:t>
+              <a:t>11/4/2015</a:t>
             </a:fld>
             <a:endParaRPr lang="en-US"/>
           </a:p>
@@ -1740,7 +1740,7 @@
           <a:p>
             <a:fld id="{2F2E54DE-D49D-1B4B-B6AB-51FC2F01A25B}" type="datetime1">
               <a:rPr lang="en-US" smtClean="0"/>
-              <a:t>7/14/2015</a:t>
+              <a:t>11/4/2015</a:t>
             </a:fld>
             <a:endParaRPr lang="en-US"/>
           </a:p>
@@ -2292,7 +2292,7 @@
           <a:p>
             <a:fld id="{3594D440-E1A8-EA4B-BD76-C48F2C84D7FE}" type="datetime1">
               <a:rPr lang="en-US" smtClean="0"/>
-              <a:t>7/14/2015</a:t>
+              <a:t>11/4/2015</a:t>
             </a:fld>
             <a:endParaRPr lang="en-US"/>
           </a:p>
@@ -2466,7 +2466,7 @@
           <a:p>
             <a:fld id="{D40D6EE4-8860-D94E-99E1-4C40F1D43F11}" type="datetime1">
               <a:rPr lang="en-US" smtClean="0"/>
-              <a:t>7/14/2015</a:t>
+              <a:t>11/4/2015</a:t>
             </a:fld>
             <a:endParaRPr lang="en-US"/>
           </a:p>
@@ -2716,7 +2716,7 @@
           <a:p>
             <a:fld id="{8BB321AB-F63A-BE47-9069-861B8C740351}" type="datetime1">
               <a:rPr lang="en-US" smtClean="0"/>
-              <a:t>7/14/2015</a:t>
+              <a:t>11/4/2015</a:t>
             </a:fld>
             <a:endParaRPr lang="en-US"/>
           </a:p>
@@ -2952,7 +2952,7 @@
           <a:p>
             <a:fld id="{5FD94BC6-88E0-6E40-9075-9AE07E6E1042}" type="datetime1">
               <a:rPr lang="en-US" smtClean="0"/>
-              <a:t>7/14/2015</a:t>
+              <a:t>11/4/2015</a:t>
             </a:fld>
             <a:endParaRPr lang="en-US"/>
           </a:p>
@@ -3323,7 +3323,7 @@
           <a:p>
             <a:fld id="{42AACBD3-1989-3744-B8BD-E2EF2658A10E}" type="datetime1">
               <a:rPr lang="en-US" smtClean="0"/>
-              <a:t>7/14/2015</a:t>
+              <a:t>11/4/2015</a:t>
             </a:fld>
             <a:endParaRPr lang="en-US"/>
           </a:p>
@@ -3445,7 +3445,7 @@
           <a:p>
             <a:fld id="{BCA5A137-77E7-F341-917F-C89340977503}" type="datetime1">
               <a:rPr lang="en-US" smtClean="0"/>
-              <a:t>7/14/2015</a:t>
+              <a:t>11/4/2015</a:t>
             </a:fld>
             <a:endParaRPr lang="en-US"/>
           </a:p>
@@ -3544,7 +3544,7 @@
           <a:p>
             <a:fld id="{5F7D781F-F384-9E4F-9A99-32BC411760AD}" type="datetime1">
               <a:rPr lang="en-US" smtClean="0"/>
-              <a:t>7/14/2015</a:t>
+              <a:t>11/4/2015</a:t>
             </a:fld>
             <a:endParaRPr lang="en-US"/>
           </a:p>
@@ -3728,7 +3728,7 @@
           <a:p>
             <a:fld id="{D386A30A-5701-FD4C-9925-579DB817A453}" type="datetime1">
               <a:rPr lang="en-US" smtClean="0"/>
-              <a:t>7/14/2015</a:t>
+              <a:t>11/4/2015</a:t>
             </a:fld>
             <a:endParaRPr lang="en-US"/>
           </a:p>
@@ -4019,7 +4019,7 @@
           <a:p>
             <a:fld id="{CEB0AF0E-5733-564E-ADE8-DB028163582D}" type="datetime1">
               <a:rPr lang="en-US" smtClean="0"/>
-              <a:t>7/14/2015</a:t>
+              <a:t>11/4/2015</a:t>
             </a:fld>
             <a:endParaRPr lang="en-US"/>
           </a:p>
@@ -4276,7 +4276,7 @@
           <a:p>
             <a:fld id="{3E3F0C52-A4B7-154D-8D93-F0A45D049961}" type="datetime1">
               <a:rPr lang="en-US" smtClean="0"/>
-              <a:t>7/14/2015</a:t>
+              <a:t>11/4/2015</a:t>
             </a:fld>
             <a:endParaRPr lang="en-US"/>
           </a:p>
@@ -4450,7 +4450,7 @@
           <a:p>
             <a:fld id="{3878A874-1BA6-BD40-AB9A-427320040A49}" type="datetime1">
               <a:rPr lang="en-US" smtClean="0"/>
-              <a:t>7/14/2015</a:t>
+              <a:t>11/4/2015</a:t>
             </a:fld>
             <a:endParaRPr lang="en-US"/>
           </a:p>
@@ -4634,7 +4634,7 @@
           <a:p>
             <a:fld id="{C07EC37B-40E4-3149-AFB9-4896F7F4CD2C}" type="datetime1">
               <a:rPr lang="en-US" smtClean="0"/>
-              <a:t>7/14/2015</a:t>
+              <a:t>11/4/2015</a:t>
             </a:fld>
             <a:endParaRPr lang="en-US"/>
           </a:p>
@@ -4892,7 +4892,7 @@
           <a:p>
             <a:fld id="{5FC52E87-B803-6441-A472-FE2C44130C00}" type="datetime1">
               <a:rPr lang="en-US" smtClean="0"/>
-              <a:t>7/14/2015</a:t>
+              <a:t>11/4/2015</a:t>
             </a:fld>
             <a:endParaRPr lang="en-US"/>
           </a:p>
@@ -5192,7 +5192,7 @@
           <a:p>
             <a:fld id="{6068C538-9516-2043-A8B3-2F9D3253CC8C}" type="datetime1">
               <a:rPr lang="en-US" smtClean="0"/>
-              <a:t>7/14/2015</a:t>
+              <a:t>11/4/2015</a:t>
             </a:fld>
             <a:endParaRPr lang="en-US"/>
           </a:p>
@@ -5650,7 +5650,7 @@
           <a:p>
             <a:fld id="{D01769F6-E6E6-9440-89B4-40674395835D}" type="datetime1">
               <a:rPr lang="en-US" smtClean="0"/>
-              <a:t>7/14/2015</a:t>
+              <a:t>11/4/2015</a:t>
             </a:fld>
             <a:endParaRPr lang="en-US"/>
           </a:p>
@@ -5782,7 +5782,7 @@
           <a:p>
             <a:fld id="{70B18D09-48B3-EC4A-B499-4F386A801B72}" type="datetime1">
               <a:rPr lang="en-US" smtClean="0"/>
-              <a:t>7/14/2015</a:t>
+              <a:t>11/4/2015</a:t>
             </a:fld>
             <a:endParaRPr lang="en-US"/>
           </a:p>
@@ -5891,7 +5891,7 @@
           <a:p>
             <a:fld id="{E5155D20-D6D5-C64A-A806-5D43DABD16EB}" type="datetime1">
               <a:rPr lang="en-US" smtClean="0"/>
-              <a:t>7/14/2015</a:t>
+              <a:t>11/4/2015</a:t>
             </a:fld>
             <a:endParaRPr lang="en-US"/>
           </a:p>
@@ -6145,7 +6145,7 @@
           <a:p>
             <a:fld id="{03C9A539-265F-D74E-8CFD-7525FD51EBE4}" type="datetime1">
               <a:rPr lang="en-US" smtClean="0"/>
-              <a:t>7/14/2015</a:t>
+              <a:t>11/4/2015</a:t>
             </a:fld>
             <a:endParaRPr lang="en-US"/>
           </a:p>
@@ -6451,7 +6451,7 @@
           <a:p>
             <a:fld id="{092CC4CB-731F-F245-BA46-45CABA5E27FE}" type="datetime1">
               <a:rPr lang="en-US" smtClean="0"/>
-              <a:t>7/14/2015</a:t>
+              <a:t>11/4/2015</a:t>
             </a:fld>
             <a:endParaRPr lang="en-US"/>
           </a:p>
@@ -6757,7 +6757,7 @@
           <a:p>
             <a:fld id="{6844EC8A-BF30-FD4C-AABE-48768CAD8532}" type="datetime1">
               <a:rPr lang="en-US" smtClean="0"/>
-              <a:t>7/14/2015</a:t>
+              <a:t>11/4/2015</a:t>
             </a:fld>
             <a:endParaRPr lang="en-US"/>
           </a:p>
@@ -7404,7 +7404,7 @@
           <a:p>
             <a:fld id="{E13D2024-72C1-ED4B-9E1F-ECA73AEA94F3}" type="datetime1">
               <a:rPr lang="en-US" smtClean="0"/>
-              <a:t>7/14/2015</a:t>
+              <a:t>11/4/2015</a:t>
             </a:fld>
             <a:endParaRPr lang="en-US"/>
           </a:p>
@@ -7814,169 +7814,6 @@
           <a:chExt cx="0" cy="0"/>
         </a:xfrm>
       </p:grpSpPr>
-      <p:pic>
-        <p:nvPicPr>
-          <p:cNvPr id="6" name="Picture Placeholder 5" descr="Droidslogo2.png"/>
-          <p:cNvPicPr>
-            <a:picLocks noGrp="1" noChangeAspect="1"/>
-          </p:cNvPicPr>
-          <p:nvPr>
-            <p:ph type="pic" sz="quarter" idx="13"/>
-          </p:nvPr>
-        </p:nvPicPr>
-        <p:blipFill>
-          <a:blip r:embed="rId3" cstate="email">
-            <a:extLst>
-              <a:ext uri="{28A0092B-C50C-407E-A947-70E740481C1C}">
-                <a14:useLocalDpi xmlns:a14="http://schemas.microsoft.com/office/drawing/2010/main" val="0"/>
-              </a:ext>
-            </a:extLst>
-          </a:blip>
-          <a:srcRect/>
-          <a:stretch>
-            <a:fillRect/>
-          </a:stretch>
-        </p:blipFill>
-        <p:spPr>
-          <a:xfrm>
-            <a:off x="247673" y="5252598"/>
-            <a:ext cx="1209338" cy="1145791"/>
-          </a:xfrm>
-        </p:spPr>
-      </p:pic>
-      <p:sp>
-        <p:nvSpPr>
-          <p:cNvPr id="4" name="Subtitle 3"/>
-          <p:cNvSpPr>
-            <a:spLocks noGrp="1"/>
-          </p:cNvSpPr>
-          <p:nvPr>
-            <p:ph type="subTitle" idx="1"/>
-          </p:nvPr>
-        </p:nvSpPr>
-        <p:spPr>
-          <a:xfrm>
-            <a:off x="1009935" y="3288773"/>
-            <a:ext cx="7754928" cy="1145791"/>
-          </a:xfrm>
-        </p:spPr>
-        <p:txBody>
-          <a:bodyPr>
-            <a:normAutofit/>
-          </a:bodyPr>
-          <a:lstStyle/>
-          <a:p>
-            <a:pPr algn="r" rtl="1"/>
-            <a:r>
-              <a:rPr lang="he-IL" dirty="0" smtClean="0">
-                <a:solidFill>
-                  <a:schemeClr val="tx1"/>
-                </a:solidFill>
-                <a:latin typeface="Gan CLM" panose="02000803000000000000" pitchFamily="2" charset="-79"/>
-                <a:cs typeface="Gan CLM" panose="02000803000000000000" pitchFamily="2" charset="-79"/>
-              </a:rPr>
-              <a:t>נכתב במקור ע"י קבוצת </a:t>
-            </a:r>
-            <a:r>
-              <a:rPr lang="en-US" b="1" dirty="0" smtClean="0">
-                <a:solidFill>
-                  <a:schemeClr val="tx1"/>
-                </a:solidFill>
-                <a:latin typeface="+mj-lt"/>
-                <a:cs typeface="Gan CLM" panose="02000803000000000000" pitchFamily="2" charset="-79"/>
-              </a:rPr>
-              <a:t>DROID ROBOTICS</a:t>
-            </a:r>
-            <a:r>
-              <a:rPr lang="he-IL" b="1" dirty="0" smtClean="0">
-                <a:solidFill>
-                  <a:schemeClr val="tx1"/>
-                </a:solidFill>
-                <a:latin typeface="+mj-lt"/>
-                <a:cs typeface="Gan CLM" panose="02000803000000000000" pitchFamily="2" charset="-79"/>
-              </a:rPr>
-              <a:t> </a:t>
-            </a:r>
-            <a:r>
-              <a:rPr lang="en-US" b="1" dirty="0">
-                <a:solidFill>
-                  <a:schemeClr val="tx1"/>
-                </a:solidFill>
-                <a:latin typeface="+mj-lt"/>
-                <a:cs typeface="Gan CLM" panose="02000803000000000000" pitchFamily="2" charset="-79"/>
-              </a:rPr>
-              <a:t> </a:t>
-            </a:r>
-            <a:r>
-              <a:rPr lang="he-IL" b="1" dirty="0">
-                <a:solidFill>
-                  <a:schemeClr val="tx1"/>
-                </a:solidFill>
-                <a:latin typeface="+mj-lt"/>
-                <a:cs typeface="Gan CLM" panose="02000803000000000000" pitchFamily="2" charset="-79"/>
-              </a:rPr>
-              <a:t> </a:t>
-            </a:r>
-            <a:r>
-              <a:rPr lang="he-IL" dirty="0" smtClean="0">
-                <a:solidFill>
-                  <a:schemeClr val="tx1"/>
-                </a:solidFill>
-                <a:latin typeface="Gan CLM" panose="02000803000000000000" pitchFamily="2" charset="-79"/>
-                <a:cs typeface="Gan CLM" panose="02000803000000000000" pitchFamily="2" charset="-79"/>
-              </a:rPr>
-              <a:t>תורגם לעברית ע"י קבוצה </a:t>
-            </a:r>
-            <a:r>
-              <a:rPr lang="en-US" b="1" dirty="0" smtClean="0">
-                <a:solidFill>
-                  <a:schemeClr val="tx1"/>
-                </a:solidFill>
-                <a:latin typeface="+mj-lt"/>
-                <a:cs typeface="Gan CLM" panose="02000803000000000000" pitchFamily="2" charset="-79"/>
-              </a:rPr>
-              <a:t>FLASH #</a:t>
-            </a:r>
-            <a:r>
-              <a:rPr lang="en-US" dirty="0" smtClean="0">
-                <a:solidFill>
-                  <a:schemeClr val="tx1"/>
-                </a:solidFill>
-                <a:latin typeface="Gan CLM" panose="02000803000000000000" pitchFamily="2" charset="-79"/>
-                <a:cs typeface="Gan CLM" panose="02000803000000000000" pitchFamily="2" charset="-79"/>
-              </a:rPr>
-              <a:t>74</a:t>
-            </a:r>
-            <a:r>
-              <a:rPr lang="he-IL" dirty="0" smtClean="0">
-                <a:solidFill>
-                  <a:schemeClr val="tx1"/>
-                </a:solidFill>
-                <a:latin typeface="Gan CLM" panose="02000803000000000000" pitchFamily="2" charset="-79"/>
-                <a:cs typeface="Gan CLM" panose="02000803000000000000" pitchFamily="2" charset="-79"/>
-              </a:rPr>
-              <a:t> בית ספר על שם יצחק </a:t>
-            </a:r>
-            <a:r>
-              <a:rPr lang="he-IL" dirty="0" err="1" smtClean="0">
-                <a:solidFill>
-                  <a:schemeClr val="tx1"/>
-                </a:solidFill>
-                <a:latin typeface="Gan CLM" panose="02000803000000000000" pitchFamily="2" charset="-79"/>
-                <a:cs typeface="Gan CLM" panose="02000803000000000000" pitchFamily="2" charset="-79"/>
-              </a:rPr>
-              <a:t>רבין,שוהם</a:t>
-            </a:r>
-            <a:endParaRPr lang="en-US" dirty="0">
-              <a:solidFill>
-                <a:schemeClr val="tx1"/>
-              </a:solidFill>
-              <a:latin typeface="Gan CLM" panose="02000803000000000000" pitchFamily="2" charset="-79"/>
-              <a:cs typeface="Gan CLM" panose="02000803000000000000" pitchFamily="2" charset="-79"/>
-            </a:endParaRPr>
-          </a:p>
-        </p:txBody>
-      </p:sp>
       <p:sp>
         <p:nvSpPr>
           <p:cNvPr id="2" name="Title 1"/>
@@ -8065,29 +7902,6 @@
       </p:sp>
       <p:sp>
         <p:nvSpPr>
-          <p:cNvPr id="10" name="Footer Placeholder 9"/>
-          <p:cNvSpPr>
-            <a:spLocks noGrp="1"/>
-          </p:cNvSpPr>
-          <p:nvPr>
-            <p:ph type="ftr" sz="quarter" idx="11"/>
-          </p:nvPr>
-        </p:nvSpPr>
-        <p:spPr/>
-        <p:txBody>
-          <a:bodyPr/>
-          <a:lstStyle/>
-          <a:p>
-            <a:r>
-              <a:rPr lang="fr-FR" smtClean="0"/>
-              <a:t>© 2015 EV3Lessons.com, Last Edit 5/30/2015</a:t>
-            </a:r>
-            <a:endParaRPr lang="en-US"/>
-          </a:p>
-        </p:txBody>
-      </p:sp>
-      <p:sp>
-        <p:nvSpPr>
           <p:cNvPr id="5" name="Slide Number Placeholder 4"/>
           <p:cNvSpPr>
             <a:spLocks noGrp="1"/>
@@ -8118,7 +7932,7 @@
           <p:nvPr/>
         </p:nvPicPr>
         <p:blipFill>
-          <a:blip r:embed="rId4" cstate="email">
+          <a:blip r:embed="rId3" cstate="email">
             <a:extLst>
               <a:ext uri="{28A0092B-C50C-407E-A947-70E740481C1C}">
                 <a14:useLocalDpi xmlns:a14="http://schemas.microsoft.com/office/drawing/2010/main" val="0"/>
@@ -8150,16 +7964,35 @@
           </a:extLst>
         </p:spPr>
       </p:pic>
+      <p:sp>
+        <p:nvSpPr>
+          <p:cNvPr id="9" name="Subtitle 8"/>
+          <p:cNvSpPr>
+            <a:spLocks noGrp="1"/>
+          </p:cNvSpPr>
+          <p:nvPr>
+            <p:ph type="subTitle" idx="1"/>
+          </p:nvPr>
+        </p:nvSpPr>
+        <p:spPr/>
+        <p:txBody>
+          <a:bodyPr/>
+          <a:lstStyle/>
+          <a:p>
+            <a:endParaRPr lang="en-US"/>
+          </a:p>
+        </p:txBody>
+      </p:sp>
       <p:pic>
         <p:nvPicPr>
-          <p:cNvPr id="7" name="תמונה 6"/>
+          <p:cNvPr id="11" name="Picture 10"/>
           <p:cNvPicPr>
             <a:picLocks noChangeAspect="1"/>
           </p:cNvPicPr>
           <p:nvPr/>
         </p:nvPicPr>
         <p:blipFill>
-          <a:blip r:embed="rId5" cstate="email">
+          <a:blip r:embed="rId4">
             <a:extLst>
               <a:ext uri="{28A0092B-C50C-407E-A947-70E740481C1C}">
                 <a14:useLocalDpi xmlns:a14="http://schemas.microsoft.com/office/drawing/2010/main" val="0"/>
@@ -8172,14 +8005,44 @@
         </p:blipFill>
         <p:spPr>
           <a:xfrm>
-            <a:off x="2823005" y="5071677"/>
-            <a:ext cx="1984430" cy="1547917"/>
+            <a:off x="343051" y="5459612"/>
+            <a:ext cx="1320857" cy="1263619"/>
           </a:xfrm>
           <a:prstGeom prst="rect">
             <a:avLst/>
           </a:prstGeom>
         </p:spPr>
       </p:pic>
+      <p:sp>
+        <p:nvSpPr>
+          <p:cNvPr id="13" name="TextBox 12"/>
+          <p:cNvSpPr txBox="1"/>
+          <p:nvPr/>
+        </p:nvSpPr>
+        <p:spPr>
+          <a:xfrm>
+            <a:off x="1697679" y="6353899"/>
+            <a:ext cx="2248525" cy="369332"/>
+          </a:xfrm>
+          <a:prstGeom prst="rect">
+            <a:avLst/>
+          </a:prstGeom>
+          <a:noFill/>
+        </p:spPr>
+        <p:txBody>
+          <a:bodyPr wrap="square" rtlCol="0">
+            <a:spAutoFit/>
+          </a:bodyPr>
+          <a:lstStyle/>
+          <a:p>
+            <a:r>
+              <a:rPr lang="en-US" dirty="0" smtClean="0"/>
+              <a:t>By Droids Robotics</a:t>
+            </a:r>
+            <a:endParaRPr lang="en-US" dirty="0"/>
+          </a:p>
+        </p:txBody>
+      </p:sp>
     </p:spTree>
     <p:extLst>
       <p:ext uri="{BB962C8B-B14F-4D97-AF65-F5344CB8AC3E}">
@@ -10758,7 +10621,7 @@
               <a:buNone/>
             </a:pPr>
             <a:r>
-              <a:rPr lang="en-US" sz="3800" b="1" dirty="0" smtClean="0">
+              <a:rPr lang="en-US" sz="3800" b="1" smtClean="0">
                 <a:solidFill>
                   <a:schemeClr val="tx1"/>
                 </a:solidFill>
@@ -10766,10 +10629,10 @@
                 <a:ea typeface="+mj-ea"/>
                 <a:cs typeface="Gan CLM" panose="02000803000000000000" pitchFamily="2" charset="-79"/>
               </a:rPr>
-              <a:t>Droid</a:t>
-            </a:r>
-            <a:r>
-              <a:rPr lang="en-US" sz="3800" b="1" dirty="0" smtClean="0">
+              <a:t>Droids</a:t>
+            </a:r>
+            <a:r>
+              <a:rPr lang="en-US" sz="3800" b="1" smtClean="0">
                 <a:solidFill>
                   <a:schemeClr val="tx1"/>
                 </a:solidFill>
@@ -11233,11 +11096,11 @@
   <p:clrMapOvr>
     <a:masterClrMapping/>
   </p:clrMapOvr>
-  <mc:AlternateContent xmlns:mc="http://schemas.openxmlformats.org/markup-compatibility/2006">
-    <mc:Choice xmlns:p14="http://schemas.microsoft.com/office/powerpoint/2010/main" Requires="p14">
+  <mc:AlternateContent xmlns:mc="http://schemas.openxmlformats.org/markup-compatibility/2006" xmlns:p14="http://schemas.microsoft.com/office/powerpoint/2010/main">
+    <mc:Choice Requires="p14">
       <p:transition spd="slow" p14:dur="2000"/>
     </mc:Choice>
-    <mc:Fallback>
+    <mc:Fallback xmlns="">
       <p:transition spd="slow"/>
     </mc:Fallback>
   </mc:AlternateContent>
